--- a/03.1-Conditions.pptx
+++ b/03.1-Conditions.pptx
@@ -318,7 +318,7 @@
           <a:p>
             <a:fld id="{3EA744D9-3FBE-48D8-BF2A-85DF203E4D20}" type="datetimeFigureOut">
               <a:rPr lang="bg-BG" smtClean="0"/>
-              <a:t>21.7.2015 г.</a:t>
+              <a:t>23.11.2015 г.</a:t>
             </a:fld>
             <a:endParaRPr lang="bg-BG"/>
           </a:p>
@@ -488,7 +488,7 @@
           <a:p>
             <a:fld id="{3EA744D9-3FBE-48D8-BF2A-85DF203E4D20}" type="datetimeFigureOut">
               <a:rPr lang="bg-BG" smtClean="0"/>
-              <a:t>21.7.2015 г.</a:t>
+              <a:t>23.11.2015 г.</a:t>
             </a:fld>
             <a:endParaRPr lang="bg-BG"/>
           </a:p>
@@ -668,7 +668,7 @@
           <a:p>
             <a:fld id="{3EA744D9-3FBE-48D8-BF2A-85DF203E4D20}" type="datetimeFigureOut">
               <a:rPr lang="bg-BG" smtClean="0"/>
-              <a:t>21.7.2015 г.</a:t>
+              <a:t>23.11.2015 г.</a:t>
             </a:fld>
             <a:endParaRPr lang="bg-BG"/>
           </a:p>
@@ -838,7 +838,7 @@
           <a:p>
             <a:fld id="{3EA744D9-3FBE-48D8-BF2A-85DF203E4D20}" type="datetimeFigureOut">
               <a:rPr lang="bg-BG" smtClean="0"/>
-              <a:t>21.7.2015 г.</a:t>
+              <a:t>23.11.2015 г.</a:t>
             </a:fld>
             <a:endParaRPr lang="bg-BG"/>
           </a:p>
@@ -1084,7 +1084,7 @@
           <a:p>
             <a:fld id="{3EA744D9-3FBE-48D8-BF2A-85DF203E4D20}" type="datetimeFigureOut">
               <a:rPr lang="bg-BG" smtClean="0"/>
-              <a:t>21.7.2015 г.</a:t>
+              <a:t>23.11.2015 г.</a:t>
             </a:fld>
             <a:endParaRPr lang="bg-BG"/>
           </a:p>
@@ -1372,7 +1372,7 @@
           <a:p>
             <a:fld id="{3EA744D9-3FBE-48D8-BF2A-85DF203E4D20}" type="datetimeFigureOut">
               <a:rPr lang="bg-BG" smtClean="0"/>
-              <a:t>21.7.2015 г.</a:t>
+              <a:t>23.11.2015 г.</a:t>
             </a:fld>
             <a:endParaRPr lang="bg-BG"/>
           </a:p>
@@ -1794,7 +1794,7 @@
           <a:p>
             <a:fld id="{3EA744D9-3FBE-48D8-BF2A-85DF203E4D20}" type="datetimeFigureOut">
               <a:rPr lang="bg-BG" smtClean="0"/>
-              <a:t>21.7.2015 г.</a:t>
+              <a:t>23.11.2015 г.</a:t>
             </a:fld>
             <a:endParaRPr lang="bg-BG"/>
           </a:p>
@@ -1912,7 +1912,7 @@
           <a:p>
             <a:fld id="{3EA744D9-3FBE-48D8-BF2A-85DF203E4D20}" type="datetimeFigureOut">
               <a:rPr lang="bg-BG" smtClean="0"/>
-              <a:t>21.7.2015 г.</a:t>
+              <a:t>23.11.2015 г.</a:t>
             </a:fld>
             <a:endParaRPr lang="bg-BG"/>
           </a:p>
@@ -2007,7 +2007,7 @@
           <a:p>
             <a:fld id="{3EA744D9-3FBE-48D8-BF2A-85DF203E4D20}" type="datetimeFigureOut">
               <a:rPr lang="bg-BG" smtClean="0"/>
-              <a:t>21.7.2015 г.</a:t>
+              <a:t>23.11.2015 г.</a:t>
             </a:fld>
             <a:endParaRPr lang="bg-BG"/>
           </a:p>
@@ -2284,7 +2284,7 @@
           <a:p>
             <a:fld id="{3EA744D9-3FBE-48D8-BF2A-85DF203E4D20}" type="datetimeFigureOut">
               <a:rPr lang="bg-BG" smtClean="0"/>
-              <a:t>21.7.2015 г.</a:t>
+              <a:t>23.11.2015 г.</a:t>
             </a:fld>
             <a:endParaRPr lang="bg-BG"/>
           </a:p>
@@ -2537,7 +2537,7 @@
           <a:p>
             <a:fld id="{3EA744D9-3FBE-48D8-BF2A-85DF203E4D20}" type="datetimeFigureOut">
               <a:rPr lang="bg-BG" smtClean="0"/>
-              <a:t>21.7.2015 г.</a:t>
+              <a:t>23.11.2015 г.</a:t>
             </a:fld>
             <a:endParaRPr lang="bg-BG"/>
           </a:p>
@@ -2759,7 +2759,7 @@
           <a:p>
             <a:fld id="{3EA744D9-3FBE-48D8-BF2A-85DF203E4D20}" type="datetimeFigureOut">
               <a:rPr lang="bg-BG" smtClean="0"/>
-              <a:t>21.7.2015 г.</a:t>
+              <a:t>23.11.2015 г.</a:t>
             </a:fld>
             <a:endParaRPr lang="bg-BG"/>
           </a:p>
@@ -4146,28 +4146,20 @@
           <a:p>
             <a:pPr algn="l"/>
             <a:r>
-              <a:rPr lang="bg-BG" dirty="0" err="1" smtClean="0">
+              <a:rPr lang="bg-BG" dirty="0" smtClean="0">
                 <a:solidFill>
                   <a:schemeClr val="accent6"/>
                 </a:solidFill>
               </a:rPr>
-              <a:t>Демо</a:t>
-            </a:r>
-            <a:r>
-              <a:rPr lang="bg-BG" dirty="0" smtClean="0">
+              <a:t>Демо на конструкцията </a:t>
+            </a:r>
+            <a:r>
+              <a:rPr lang="en-US" dirty="0" smtClean="0">
                 <a:solidFill>
                   <a:schemeClr val="accent6"/>
                 </a:solidFill>
               </a:rPr>
-              <a:t> на конструкцията </a:t>
-            </a:r>
-            <a:r>
-              <a:rPr lang="en-US" dirty="0">
-                <a:solidFill>
-                  <a:schemeClr val="accent6"/>
-                </a:solidFill>
-              </a:rPr>
-              <a:t>SWICH</a:t>
+              <a:t>SWITCH</a:t>
             </a:r>
             <a:endParaRPr lang="bg-BG" dirty="0">
               <a:solidFill>
@@ -4544,6 +4536,13 @@
   <p:clrMapOvr>
     <a:masterClrMapping/>
   </p:clrMapOvr>
+  <p:timing>
+    <p:tnLst>
+      <p:par>
+        <p:cTn id="1" dur="indefinite" restart="never" nodeType="tmRoot"/>
+      </p:par>
+    </p:tnLst>
+  </p:timing>
 </p:sld>
 </file>
 
@@ -4794,17 +4793,7 @@
                   </a:schemeClr>
                 </a:solidFill>
               </a:rPr>
-              <a:t>], </a:t>
-            </a:r>
-            <a:r>
-              <a:rPr lang="ru-RU" sz="2000" dirty="0" smtClean="0">
-                <a:solidFill>
-                  <a:schemeClr val="bg1">
-                    <a:lumMod val="95000"/>
-                  </a:schemeClr>
-                </a:solidFill>
-              </a:rPr>
-              <a:t>добавете 5 към тях. </a:t>
+              <a:t>], добавете 5 към тях. </a:t>
             </a:r>
             <a:r>
               <a:rPr lang="ru-RU" sz="2000" dirty="0">
